--- a/media/ReportFigures/ReportFigures.pptx
+++ b/media/ReportFigures/ReportFigures.pptx
@@ -8,6 +8,8 @@
     <p:sldId id="256" r:id="rId2"/>
     <p:sldId id="257" r:id="rId3"/>
     <p:sldId id="258" r:id="rId4"/>
+    <p:sldId id="259" r:id="rId5"/>
+    <p:sldId id="260" r:id="rId6"/>
   </p:sldIdLst>
   <p:sldSz cx="12192000" cy="6858000"/>
   <p:notesSz cx="6858000" cy="9144000"/>
@@ -106,6 +108,11 @@
       </a:defRPr>
     </a:lvl9pPr>
   </p:defaultTextStyle>
+  <p:extLst>
+    <p:ext uri="{EFAFB233-063F-42B5-8137-9DF3F51BA10A}">
+      <p15:sldGuideLst xmlns:p15="http://schemas.microsoft.com/office/powerpoint/2012/main"/>
+    </p:ext>
+  </p:extLst>
 </p:presentation>
 </file>
 
@@ -256,7 +263,7 @@
           <a:p>
             <a:fld id="{11080818-4A9B-4962-9123-12CFD7AA6D6C}" type="datetimeFigureOut">
               <a:rPr lang="fr-FR" smtClean="0"/>
-              <a:t>19/07/2023</a:t>
+              <a:t>21/07/2023</a:t>
             </a:fld>
             <a:endParaRPr lang="fr-FR"/>
           </a:p>
@@ -454,7 +461,7 @@
           <a:p>
             <a:fld id="{11080818-4A9B-4962-9123-12CFD7AA6D6C}" type="datetimeFigureOut">
               <a:rPr lang="fr-FR" smtClean="0"/>
-              <a:t>19/07/2023</a:t>
+              <a:t>21/07/2023</a:t>
             </a:fld>
             <a:endParaRPr lang="fr-FR"/>
           </a:p>
@@ -662,7 +669,7 @@
           <a:p>
             <a:fld id="{11080818-4A9B-4962-9123-12CFD7AA6D6C}" type="datetimeFigureOut">
               <a:rPr lang="fr-FR" smtClean="0"/>
-              <a:t>19/07/2023</a:t>
+              <a:t>21/07/2023</a:t>
             </a:fld>
             <a:endParaRPr lang="fr-FR"/>
           </a:p>
@@ -860,7 +867,7 @@
           <a:p>
             <a:fld id="{11080818-4A9B-4962-9123-12CFD7AA6D6C}" type="datetimeFigureOut">
               <a:rPr lang="fr-FR" smtClean="0"/>
-              <a:t>19/07/2023</a:t>
+              <a:t>21/07/2023</a:t>
             </a:fld>
             <a:endParaRPr lang="fr-FR"/>
           </a:p>
@@ -1135,7 +1142,7 @@
           <a:p>
             <a:fld id="{11080818-4A9B-4962-9123-12CFD7AA6D6C}" type="datetimeFigureOut">
               <a:rPr lang="fr-FR" smtClean="0"/>
-              <a:t>19/07/2023</a:t>
+              <a:t>21/07/2023</a:t>
             </a:fld>
             <a:endParaRPr lang="fr-FR"/>
           </a:p>
@@ -1400,7 +1407,7 @@
           <a:p>
             <a:fld id="{11080818-4A9B-4962-9123-12CFD7AA6D6C}" type="datetimeFigureOut">
               <a:rPr lang="fr-FR" smtClean="0"/>
-              <a:t>19/07/2023</a:t>
+              <a:t>21/07/2023</a:t>
             </a:fld>
             <a:endParaRPr lang="fr-FR"/>
           </a:p>
@@ -1812,7 +1819,7 @@
           <a:p>
             <a:fld id="{11080818-4A9B-4962-9123-12CFD7AA6D6C}" type="datetimeFigureOut">
               <a:rPr lang="fr-FR" smtClean="0"/>
-              <a:t>19/07/2023</a:t>
+              <a:t>21/07/2023</a:t>
             </a:fld>
             <a:endParaRPr lang="fr-FR"/>
           </a:p>
@@ -1953,7 +1960,7 @@
           <a:p>
             <a:fld id="{11080818-4A9B-4962-9123-12CFD7AA6D6C}" type="datetimeFigureOut">
               <a:rPr lang="fr-FR" smtClean="0"/>
-              <a:t>19/07/2023</a:t>
+              <a:t>21/07/2023</a:t>
             </a:fld>
             <a:endParaRPr lang="fr-FR"/>
           </a:p>
@@ -2066,7 +2073,7 @@
           <a:p>
             <a:fld id="{11080818-4A9B-4962-9123-12CFD7AA6D6C}" type="datetimeFigureOut">
               <a:rPr lang="fr-FR" smtClean="0"/>
-              <a:t>19/07/2023</a:t>
+              <a:t>21/07/2023</a:t>
             </a:fld>
             <a:endParaRPr lang="fr-FR"/>
           </a:p>
@@ -2377,7 +2384,7 @@
           <a:p>
             <a:fld id="{11080818-4A9B-4962-9123-12CFD7AA6D6C}" type="datetimeFigureOut">
               <a:rPr lang="fr-FR" smtClean="0"/>
-              <a:t>19/07/2023</a:t>
+              <a:t>21/07/2023</a:t>
             </a:fld>
             <a:endParaRPr lang="fr-FR"/>
           </a:p>
@@ -2665,7 +2672,7 @@
           <a:p>
             <a:fld id="{11080818-4A9B-4962-9123-12CFD7AA6D6C}" type="datetimeFigureOut">
               <a:rPr lang="fr-FR" smtClean="0"/>
-              <a:t>19/07/2023</a:t>
+              <a:t>21/07/2023</a:t>
             </a:fld>
             <a:endParaRPr lang="fr-FR"/>
           </a:p>
@@ -2906,7 +2913,7 @@
           <a:p>
             <a:fld id="{11080818-4A9B-4962-9123-12CFD7AA6D6C}" type="datetimeFigureOut">
               <a:rPr lang="fr-FR" smtClean="0"/>
-              <a:t>19/07/2023</a:t>
+              <a:t>21/07/2023</a:t>
             </a:fld>
             <a:endParaRPr lang="fr-FR"/>
           </a:p>
@@ -8387,6 +8394,1852 @@
 </p:sld>
 </file>
 
+<file path=ppt/slides/slide4.xml><?xml version="1.0" encoding="utf-8"?>
+<p:sld xmlns:a="http://schemas.openxmlformats.org/drawingml/2006/main" xmlns:r="http://schemas.openxmlformats.org/officeDocument/2006/relationships" xmlns:p="http://schemas.openxmlformats.org/presentationml/2006/main">
+  <p:cSld>
+    <p:spTree>
+      <p:nvGrpSpPr>
+        <p:cNvPr id="1" name=""/>
+        <p:cNvGrpSpPr/>
+        <p:nvPr/>
+      </p:nvGrpSpPr>
+      <p:grpSpPr>
+        <a:xfrm>
+          <a:off x="0" y="0"/>
+          <a:ext cx="0" cy="0"/>
+          <a:chOff x="0" y="0"/>
+          <a:chExt cx="0" cy="0"/>
+        </a:xfrm>
+      </p:grpSpPr>
+      <p:cxnSp>
+        <p:nvCxnSpPr>
+          <p:cNvPr id="5" name="Connecteur droit 4">
+            <a:extLst>
+              <a:ext uri="{FF2B5EF4-FFF2-40B4-BE49-F238E27FC236}">
+                <a16:creationId xmlns:a16="http://schemas.microsoft.com/office/drawing/2014/main" id="{AF4FE944-6F0D-4AC7-A8E7-B5344F8B199A}"/>
+              </a:ext>
+            </a:extLst>
+          </p:cNvPr>
+          <p:cNvCxnSpPr>
+            <a:cxnSpLocks/>
+          </p:cNvCxnSpPr>
+          <p:nvPr/>
+        </p:nvCxnSpPr>
+        <p:spPr>
+          <a:xfrm>
+            <a:off x="2203269" y="5242560"/>
+            <a:ext cx="4476206" cy="0"/>
+          </a:xfrm>
+          <a:prstGeom prst="line">
+            <a:avLst/>
+          </a:prstGeom>
+          <a:ln w="38100">
+            <a:solidFill>
+              <a:schemeClr val="tx1">
+                <a:lumMod val="95000"/>
+                <a:lumOff val="5000"/>
+              </a:schemeClr>
+            </a:solidFill>
+          </a:ln>
+        </p:spPr>
+        <p:style>
+          <a:lnRef idx="1">
+            <a:schemeClr val="accent1"/>
+          </a:lnRef>
+          <a:fillRef idx="0">
+            <a:schemeClr val="accent1"/>
+          </a:fillRef>
+          <a:effectRef idx="0">
+            <a:schemeClr val="accent1"/>
+          </a:effectRef>
+          <a:fontRef idx="minor">
+            <a:schemeClr val="tx1"/>
+          </a:fontRef>
+        </p:style>
+      </p:cxnSp>
+      <p:sp>
+        <p:nvSpPr>
+          <p:cNvPr id="6" name="Forme libre : forme 5">
+            <a:extLst>
+              <a:ext uri="{FF2B5EF4-FFF2-40B4-BE49-F238E27FC236}">
+                <a16:creationId xmlns:a16="http://schemas.microsoft.com/office/drawing/2014/main" id="{6C0D3FA2-9BEF-4433-8C00-8C554B691F2A}"/>
+              </a:ext>
+            </a:extLst>
+          </p:cNvPr>
+          <p:cNvSpPr/>
+          <p:nvPr/>
+        </p:nvSpPr>
+        <p:spPr>
+          <a:xfrm>
+            <a:off x="2203269" y="3695340"/>
+            <a:ext cx="4476206" cy="1068248"/>
+          </a:xfrm>
+          <a:custGeom>
+            <a:avLst/>
+            <a:gdLst>
+              <a:gd name="connsiteX0" fmla="*/ 0 w 4476206"/>
+              <a:gd name="connsiteY0" fmla="*/ 75471 h 1068248"/>
+              <a:gd name="connsiteX1" fmla="*/ 1410789 w 4476206"/>
+              <a:gd name="connsiteY1" fmla="*/ 84180 h 1068248"/>
+              <a:gd name="connsiteX2" fmla="*/ 3248297 w 4476206"/>
+              <a:gd name="connsiteY2" fmla="*/ 928911 h 1068248"/>
+              <a:gd name="connsiteX3" fmla="*/ 4476206 w 4476206"/>
+              <a:gd name="connsiteY3" fmla="*/ 1068248 h 1068248"/>
+            </a:gdLst>
+            <a:ahLst/>
+            <a:cxnLst>
+              <a:cxn ang="0">
+                <a:pos x="connsiteX0" y="connsiteY0"/>
+              </a:cxn>
+              <a:cxn ang="0">
+                <a:pos x="connsiteX1" y="connsiteY1"/>
+              </a:cxn>
+              <a:cxn ang="0">
+                <a:pos x="connsiteX2" y="connsiteY2"/>
+              </a:cxn>
+              <a:cxn ang="0">
+                <a:pos x="connsiteX3" y="connsiteY3"/>
+              </a:cxn>
+            </a:cxnLst>
+            <a:rect l="l" t="t" r="r" b="b"/>
+            <a:pathLst>
+              <a:path w="4476206" h="1068248">
+                <a:moveTo>
+                  <a:pt x="0" y="75471"/>
+                </a:moveTo>
+                <a:cubicBezTo>
+                  <a:pt x="434703" y="8705"/>
+                  <a:pt x="869406" y="-58060"/>
+                  <a:pt x="1410789" y="84180"/>
+                </a:cubicBezTo>
+                <a:cubicBezTo>
+                  <a:pt x="1952172" y="226420"/>
+                  <a:pt x="2737394" y="764900"/>
+                  <a:pt x="3248297" y="928911"/>
+                </a:cubicBezTo>
+                <a:cubicBezTo>
+                  <a:pt x="3759200" y="1092922"/>
+                  <a:pt x="4291875" y="1062442"/>
+                  <a:pt x="4476206" y="1068248"/>
+                </a:cubicBezTo>
+              </a:path>
+            </a:pathLst>
+          </a:custGeom>
+          <a:noFill/>
+          <a:ln w="28575">
+            <a:solidFill>
+              <a:schemeClr val="tx1">
+                <a:lumMod val="95000"/>
+                <a:lumOff val="5000"/>
+              </a:schemeClr>
+            </a:solidFill>
+          </a:ln>
+        </p:spPr>
+        <p:style>
+          <a:lnRef idx="2">
+            <a:schemeClr val="accent1">
+              <a:shade val="50000"/>
+            </a:schemeClr>
+          </a:lnRef>
+          <a:fillRef idx="1">
+            <a:schemeClr val="accent1"/>
+          </a:fillRef>
+          <a:effectRef idx="0">
+            <a:schemeClr val="accent1"/>
+          </a:effectRef>
+          <a:fontRef idx="minor">
+            <a:schemeClr val="lt1"/>
+          </a:fontRef>
+        </p:style>
+        <p:txBody>
+          <a:bodyPr rtlCol="0" anchor="ctr"/>
+          <a:lstStyle/>
+          <a:p>
+            <a:pPr algn="ctr"/>
+            <a:endParaRPr lang="fr-FR"/>
+          </a:p>
+        </p:txBody>
+      </p:sp>
+      <p:sp>
+        <p:nvSpPr>
+          <p:cNvPr id="9" name="Forme libre : forme 8">
+            <a:extLst>
+              <a:ext uri="{FF2B5EF4-FFF2-40B4-BE49-F238E27FC236}">
+                <a16:creationId xmlns:a16="http://schemas.microsoft.com/office/drawing/2014/main" id="{F52DCEA8-FD40-43D8-8130-6A10913E4DE0}"/>
+              </a:ext>
+            </a:extLst>
+          </p:cNvPr>
+          <p:cNvSpPr/>
+          <p:nvPr/>
+        </p:nvSpPr>
+        <p:spPr>
+          <a:xfrm>
+            <a:off x="2133600" y="2323893"/>
+            <a:ext cx="4493623" cy="2248107"/>
+          </a:xfrm>
+          <a:custGeom>
+            <a:avLst/>
+            <a:gdLst>
+              <a:gd name="connsiteX0" fmla="*/ 0 w 4493623"/>
+              <a:gd name="connsiteY0" fmla="*/ 166758 h 2248107"/>
+              <a:gd name="connsiteX1" fmla="*/ 1497874 w 4493623"/>
+              <a:gd name="connsiteY1" fmla="*/ 166758 h 2248107"/>
+              <a:gd name="connsiteX2" fmla="*/ 3230880 w 4493623"/>
+              <a:gd name="connsiteY2" fmla="*/ 1899764 h 2248107"/>
+              <a:gd name="connsiteX3" fmla="*/ 4493623 w 4493623"/>
+              <a:gd name="connsiteY3" fmla="*/ 2248107 h 2248107"/>
+            </a:gdLst>
+            <a:ahLst/>
+            <a:cxnLst>
+              <a:cxn ang="0">
+                <a:pos x="connsiteX0" y="connsiteY0"/>
+              </a:cxn>
+              <a:cxn ang="0">
+                <a:pos x="connsiteX1" y="connsiteY1"/>
+              </a:cxn>
+              <a:cxn ang="0">
+                <a:pos x="connsiteX2" y="connsiteY2"/>
+              </a:cxn>
+              <a:cxn ang="0">
+                <a:pos x="connsiteX3" y="connsiteY3"/>
+              </a:cxn>
+            </a:cxnLst>
+            <a:rect l="l" t="t" r="r" b="b"/>
+            <a:pathLst>
+              <a:path w="4493623" h="2248107">
+                <a:moveTo>
+                  <a:pt x="0" y="166758"/>
+                </a:moveTo>
+                <a:cubicBezTo>
+                  <a:pt x="479697" y="22341"/>
+                  <a:pt x="959394" y="-122076"/>
+                  <a:pt x="1497874" y="166758"/>
+                </a:cubicBezTo>
+                <a:cubicBezTo>
+                  <a:pt x="2036354" y="455592"/>
+                  <a:pt x="2731589" y="1552873"/>
+                  <a:pt x="3230880" y="1899764"/>
+                </a:cubicBezTo>
+                <a:cubicBezTo>
+                  <a:pt x="3730171" y="2246655"/>
+                  <a:pt x="4291875" y="2204564"/>
+                  <a:pt x="4493623" y="2248107"/>
+                </a:cubicBezTo>
+              </a:path>
+            </a:pathLst>
+          </a:custGeom>
+          <a:noFill/>
+          <a:ln w="19050">
+            <a:solidFill>
+              <a:schemeClr val="tx1">
+                <a:lumMod val="95000"/>
+                <a:lumOff val="5000"/>
+              </a:schemeClr>
+            </a:solidFill>
+          </a:ln>
+        </p:spPr>
+        <p:style>
+          <a:lnRef idx="2">
+            <a:schemeClr val="accent1">
+              <a:shade val="50000"/>
+            </a:schemeClr>
+          </a:lnRef>
+          <a:fillRef idx="1">
+            <a:schemeClr val="accent1"/>
+          </a:fillRef>
+          <a:effectRef idx="0">
+            <a:schemeClr val="accent1"/>
+          </a:effectRef>
+          <a:fontRef idx="minor">
+            <a:schemeClr val="lt1"/>
+          </a:fontRef>
+        </p:style>
+        <p:txBody>
+          <a:bodyPr rtlCol="0" anchor="ctr"/>
+          <a:lstStyle/>
+          <a:p>
+            <a:pPr algn="ctr"/>
+            <a:endParaRPr lang="fr-FR"/>
+          </a:p>
+        </p:txBody>
+      </p:sp>
+      <p:cxnSp>
+        <p:nvCxnSpPr>
+          <p:cNvPr id="11" name="Connecteur droit avec flèche 10">
+            <a:extLst>
+              <a:ext uri="{FF2B5EF4-FFF2-40B4-BE49-F238E27FC236}">
+                <a16:creationId xmlns:a16="http://schemas.microsoft.com/office/drawing/2014/main" id="{20A281CF-91EC-41F9-ACCE-9C84921C187A}"/>
+              </a:ext>
+            </a:extLst>
+          </p:cNvPr>
+          <p:cNvCxnSpPr>
+            <a:cxnSpLocks/>
+          </p:cNvCxnSpPr>
+          <p:nvPr/>
+        </p:nvCxnSpPr>
+        <p:spPr>
+          <a:xfrm>
+            <a:off x="2873830" y="3823063"/>
+            <a:ext cx="0" cy="1306286"/>
+          </a:xfrm>
+          <a:prstGeom prst="straightConnector1">
+            <a:avLst/>
+          </a:prstGeom>
+          <a:ln w="19050">
+            <a:solidFill>
+              <a:schemeClr val="accent2">
+                <a:lumMod val="50000"/>
+              </a:schemeClr>
+            </a:solidFill>
+            <a:headEnd type="triangle"/>
+            <a:tailEnd type="triangle"/>
+          </a:ln>
+        </p:spPr>
+        <p:style>
+          <a:lnRef idx="1">
+            <a:schemeClr val="accent1"/>
+          </a:lnRef>
+          <a:fillRef idx="0">
+            <a:schemeClr val="accent1"/>
+          </a:fillRef>
+          <a:effectRef idx="0">
+            <a:schemeClr val="accent1"/>
+          </a:effectRef>
+          <a:fontRef idx="minor">
+            <a:schemeClr val="tx1"/>
+          </a:fontRef>
+        </p:style>
+      </p:cxnSp>
+      <p:cxnSp>
+        <p:nvCxnSpPr>
+          <p:cNvPr id="13" name="Connecteur droit avec flèche 12">
+            <a:extLst>
+              <a:ext uri="{FF2B5EF4-FFF2-40B4-BE49-F238E27FC236}">
+                <a16:creationId xmlns:a16="http://schemas.microsoft.com/office/drawing/2014/main" id="{6B5CE038-537B-48D7-A39B-9612087FCB60}"/>
+              </a:ext>
+            </a:extLst>
+          </p:cNvPr>
+          <p:cNvCxnSpPr>
+            <a:cxnSpLocks/>
+          </p:cNvCxnSpPr>
+          <p:nvPr/>
+        </p:nvCxnSpPr>
+        <p:spPr>
+          <a:xfrm flipH="1">
+            <a:off x="2882538" y="2421788"/>
+            <a:ext cx="1" cy="1175658"/>
+          </a:xfrm>
+          <a:prstGeom prst="straightConnector1">
+            <a:avLst/>
+          </a:prstGeom>
+          <a:ln w="19050">
+            <a:solidFill>
+              <a:srgbClr val="FF0000"/>
+            </a:solidFill>
+            <a:headEnd type="triangle"/>
+            <a:tailEnd type="triangle"/>
+          </a:ln>
+        </p:spPr>
+        <p:style>
+          <a:lnRef idx="1">
+            <a:schemeClr val="accent1"/>
+          </a:lnRef>
+          <a:fillRef idx="0">
+            <a:schemeClr val="accent1"/>
+          </a:fillRef>
+          <a:effectRef idx="0">
+            <a:schemeClr val="accent1"/>
+          </a:effectRef>
+          <a:fontRef idx="minor">
+            <a:schemeClr val="tx1"/>
+          </a:fontRef>
+        </p:style>
+      </p:cxnSp>
+      <p:cxnSp>
+        <p:nvCxnSpPr>
+          <p:cNvPr id="16" name="Connecteur droit avec flèche 15">
+            <a:extLst>
+              <a:ext uri="{FF2B5EF4-FFF2-40B4-BE49-F238E27FC236}">
+                <a16:creationId xmlns:a16="http://schemas.microsoft.com/office/drawing/2014/main" id="{2006DAD7-A5B9-4F8C-976C-1F0850DE2CCA}"/>
+              </a:ext>
+            </a:extLst>
+          </p:cNvPr>
+          <p:cNvCxnSpPr>
+            <a:cxnSpLocks/>
+          </p:cNvCxnSpPr>
+          <p:nvPr/>
+        </p:nvCxnSpPr>
+        <p:spPr>
+          <a:xfrm>
+            <a:off x="1989909" y="2534194"/>
+            <a:ext cx="0" cy="2708366"/>
+          </a:xfrm>
+          <a:prstGeom prst="straightConnector1">
+            <a:avLst/>
+          </a:prstGeom>
+          <a:ln w="19050">
+            <a:solidFill>
+              <a:schemeClr val="accent1"/>
+            </a:solidFill>
+            <a:headEnd type="triangle"/>
+            <a:tailEnd type="triangle"/>
+          </a:ln>
+        </p:spPr>
+        <p:style>
+          <a:lnRef idx="1">
+            <a:schemeClr val="accent1"/>
+          </a:lnRef>
+          <a:fillRef idx="0">
+            <a:schemeClr val="accent1"/>
+          </a:fillRef>
+          <a:effectRef idx="0">
+            <a:schemeClr val="accent1"/>
+          </a:effectRef>
+          <a:fontRef idx="minor">
+            <a:schemeClr val="tx1"/>
+          </a:fontRef>
+        </p:style>
+      </p:cxnSp>
+      <p:sp>
+        <p:nvSpPr>
+          <p:cNvPr id="18" name="Ellipse 17">
+            <a:extLst>
+              <a:ext uri="{FF2B5EF4-FFF2-40B4-BE49-F238E27FC236}">
+                <a16:creationId xmlns:a16="http://schemas.microsoft.com/office/drawing/2014/main" id="{21B36ECF-AECC-44EC-9703-5A379C503BB4}"/>
+              </a:ext>
+            </a:extLst>
+          </p:cNvPr>
+          <p:cNvSpPr/>
+          <p:nvPr/>
+        </p:nvSpPr>
+        <p:spPr>
+          <a:xfrm>
+            <a:off x="3221355" y="2300931"/>
+            <a:ext cx="118745" cy="120857"/>
+          </a:xfrm>
+          <a:prstGeom prst="ellipse">
+            <a:avLst/>
+          </a:prstGeom>
+          <a:solidFill>
+            <a:srgbClr val="00B050"/>
+          </a:solidFill>
+          <a:ln>
+            <a:solidFill>
+              <a:srgbClr val="00B050"/>
+            </a:solidFill>
+          </a:ln>
+        </p:spPr>
+        <p:style>
+          <a:lnRef idx="2">
+            <a:schemeClr val="accent1">
+              <a:shade val="50000"/>
+            </a:schemeClr>
+          </a:lnRef>
+          <a:fillRef idx="1">
+            <a:schemeClr val="accent1"/>
+          </a:fillRef>
+          <a:effectRef idx="0">
+            <a:schemeClr val="accent1"/>
+          </a:effectRef>
+          <a:fontRef idx="minor">
+            <a:schemeClr val="lt1"/>
+          </a:fontRef>
+        </p:style>
+        <p:txBody>
+          <a:bodyPr rtlCol="0" anchor="ctr"/>
+          <a:lstStyle/>
+          <a:p>
+            <a:pPr algn="ctr"/>
+            <a:endParaRPr lang="fr-FR"/>
+          </a:p>
+        </p:txBody>
+      </p:sp>
+      <p:sp>
+        <p:nvSpPr>
+          <p:cNvPr id="19" name="Ellipse 18">
+            <a:extLst>
+              <a:ext uri="{FF2B5EF4-FFF2-40B4-BE49-F238E27FC236}">
+                <a16:creationId xmlns:a16="http://schemas.microsoft.com/office/drawing/2014/main" id="{6FD3ACBA-3156-4271-A5CE-EB47097194B5}"/>
+              </a:ext>
+            </a:extLst>
+          </p:cNvPr>
+          <p:cNvSpPr/>
+          <p:nvPr/>
+        </p:nvSpPr>
+        <p:spPr>
+          <a:xfrm>
+            <a:off x="3221355" y="3672378"/>
+            <a:ext cx="118745" cy="120857"/>
+          </a:xfrm>
+          <a:prstGeom prst="ellipse">
+            <a:avLst/>
+          </a:prstGeom>
+          <a:solidFill>
+            <a:srgbClr val="00B050"/>
+          </a:solidFill>
+          <a:ln>
+            <a:solidFill>
+              <a:srgbClr val="00B050"/>
+            </a:solidFill>
+          </a:ln>
+        </p:spPr>
+        <p:style>
+          <a:lnRef idx="2">
+            <a:schemeClr val="accent1">
+              <a:shade val="50000"/>
+            </a:schemeClr>
+          </a:lnRef>
+          <a:fillRef idx="1">
+            <a:schemeClr val="accent1"/>
+          </a:fillRef>
+          <a:effectRef idx="0">
+            <a:schemeClr val="accent1"/>
+          </a:effectRef>
+          <a:fontRef idx="minor">
+            <a:schemeClr val="lt1"/>
+          </a:fontRef>
+        </p:style>
+        <p:txBody>
+          <a:bodyPr rtlCol="0" anchor="ctr"/>
+          <a:lstStyle/>
+          <a:p>
+            <a:pPr algn="ctr"/>
+            <a:endParaRPr lang="fr-FR"/>
+          </a:p>
+        </p:txBody>
+      </p:sp>
+      <p:sp>
+        <p:nvSpPr>
+          <p:cNvPr id="20" name="Ellipse 19">
+            <a:extLst>
+              <a:ext uri="{FF2B5EF4-FFF2-40B4-BE49-F238E27FC236}">
+                <a16:creationId xmlns:a16="http://schemas.microsoft.com/office/drawing/2014/main" id="{574B1375-7310-4999-A56D-7780D3447BF7}"/>
+              </a:ext>
+            </a:extLst>
+          </p:cNvPr>
+          <p:cNvSpPr/>
+          <p:nvPr/>
+        </p:nvSpPr>
+        <p:spPr>
+          <a:xfrm>
+            <a:off x="3221355" y="2948190"/>
+            <a:ext cx="118745" cy="120857"/>
+          </a:xfrm>
+          <a:prstGeom prst="ellipse">
+            <a:avLst/>
+          </a:prstGeom>
+          <a:solidFill>
+            <a:srgbClr val="FFC000"/>
+          </a:solidFill>
+          <a:ln>
+            <a:solidFill>
+              <a:srgbClr val="FFC000"/>
+            </a:solidFill>
+          </a:ln>
+        </p:spPr>
+        <p:style>
+          <a:lnRef idx="2">
+            <a:schemeClr val="accent1">
+              <a:shade val="50000"/>
+            </a:schemeClr>
+          </a:lnRef>
+          <a:fillRef idx="1">
+            <a:schemeClr val="accent1"/>
+          </a:fillRef>
+          <a:effectRef idx="0">
+            <a:schemeClr val="accent1"/>
+          </a:effectRef>
+          <a:fontRef idx="minor">
+            <a:schemeClr val="lt1"/>
+          </a:fontRef>
+        </p:style>
+        <p:txBody>
+          <a:bodyPr rtlCol="0" anchor="ctr"/>
+          <a:lstStyle/>
+          <a:p>
+            <a:pPr algn="ctr"/>
+            <a:endParaRPr lang="fr-FR"/>
+          </a:p>
+        </p:txBody>
+      </p:sp>
+      <p:sp>
+        <p:nvSpPr>
+          <p:cNvPr id="21" name="ZoneTexte 20">
+            <a:extLst>
+              <a:ext uri="{FF2B5EF4-FFF2-40B4-BE49-F238E27FC236}">
+                <a16:creationId xmlns:a16="http://schemas.microsoft.com/office/drawing/2014/main" id="{7E7DC6FC-6E10-4B8B-99B8-65465270DC9E}"/>
+              </a:ext>
+            </a:extLst>
+          </p:cNvPr>
+          <p:cNvSpPr txBox="1"/>
+          <p:nvPr/>
+        </p:nvSpPr>
+        <p:spPr>
+          <a:xfrm>
+            <a:off x="3336152" y="2805234"/>
+            <a:ext cx="295275" cy="369332"/>
+          </a:xfrm>
+          <a:prstGeom prst="rect">
+            <a:avLst/>
+          </a:prstGeom>
+          <a:noFill/>
+        </p:spPr>
+        <p:txBody>
+          <a:bodyPr wrap="square" rtlCol="0">
+            <a:spAutoFit/>
+          </a:bodyPr>
+          <a:lstStyle/>
+          <a:p>
+            <a:r>
+              <a:rPr lang="en-US" dirty="0"/>
+              <a:t>z</a:t>
+            </a:r>
+            <a:endParaRPr lang="fr-FR" dirty="0"/>
+          </a:p>
+        </p:txBody>
+      </p:sp>
+      <p:sp>
+        <p:nvSpPr>
+          <p:cNvPr id="22" name="ZoneTexte 21">
+            <a:extLst>
+              <a:ext uri="{FF2B5EF4-FFF2-40B4-BE49-F238E27FC236}">
+                <a16:creationId xmlns:a16="http://schemas.microsoft.com/office/drawing/2014/main" id="{DEB7A1C1-3E91-4753-8873-F7D3FFE15271}"/>
+              </a:ext>
+            </a:extLst>
+          </p:cNvPr>
+          <p:cNvSpPr txBox="1"/>
+          <p:nvPr/>
+        </p:nvSpPr>
+        <p:spPr>
+          <a:xfrm>
+            <a:off x="3258184" y="3638397"/>
+            <a:ext cx="469265" cy="369332"/>
+          </a:xfrm>
+          <a:prstGeom prst="rect">
+            <a:avLst/>
+          </a:prstGeom>
+          <a:noFill/>
+        </p:spPr>
+        <p:txBody>
+          <a:bodyPr wrap="square" rtlCol="0">
+            <a:spAutoFit/>
+          </a:bodyPr>
+          <a:lstStyle/>
+          <a:p>
+            <a:r>
+              <a:rPr lang="en-US" dirty="0"/>
+              <a:t>z</a:t>
+            </a:r>
+            <a:r>
+              <a:rPr lang="en-US" baseline="-25000" dirty="0"/>
+              <a:t>d</a:t>
+            </a:r>
+            <a:endParaRPr lang="fr-FR" dirty="0"/>
+          </a:p>
+        </p:txBody>
+      </p:sp>
+      <p:sp>
+        <p:nvSpPr>
+          <p:cNvPr id="23" name="ZoneTexte 22">
+            <a:extLst>
+              <a:ext uri="{FF2B5EF4-FFF2-40B4-BE49-F238E27FC236}">
+                <a16:creationId xmlns:a16="http://schemas.microsoft.com/office/drawing/2014/main" id="{7F0EACD4-7D3E-46F8-8B04-8327A41C6ACC}"/>
+              </a:ext>
+            </a:extLst>
+          </p:cNvPr>
+          <p:cNvSpPr txBox="1"/>
+          <p:nvPr/>
+        </p:nvSpPr>
+        <p:spPr>
+          <a:xfrm>
+            <a:off x="3280727" y="2023375"/>
+            <a:ext cx="469265" cy="369332"/>
+          </a:xfrm>
+          <a:prstGeom prst="rect">
+            <a:avLst/>
+          </a:prstGeom>
+          <a:noFill/>
+        </p:spPr>
+        <p:txBody>
+          <a:bodyPr wrap="square" rtlCol="0">
+            <a:spAutoFit/>
+          </a:bodyPr>
+          <a:lstStyle/>
+          <a:p>
+            <a:r>
+              <a:rPr lang="en-US" dirty="0"/>
+              <a:t>z</a:t>
+            </a:r>
+            <a:r>
+              <a:rPr lang="en-US" baseline="-25000" dirty="0"/>
+              <a:t>h</a:t>
+            </a:r>
+            <a:endParaRPr lang="fr-FR" dirty="0"/>
+          </a:p>
+        </p:txBody>
+      </p:sp>
+      <p:sp>
+        <p:nvSpPr>
+          <p:cNvPr id="24" name="ZoneTexte 23">
+            <a:extLst>
+              <a:ext uri="{FF2B5EF4-FFF2-40B4-BE49-F238E27FC236}">
+                <a16:creationId xmlns:a16="http://schemas.microsoft.com/office/drawing/2014/main" id="{C9A7F1FD-11DB-47B8-BD4B-0F214D41FEAF}"/>
+              </a:ext>
+            </a:extLst>
+          </p:cNvPr>
+          <p:cNvSpPr txBox="1"/>
+          <p:nvPr/>
+        </p:nvSpPr>
+        <p:spPr>
+          <a:xfrm>
+            <a:off x="2593201" y="2578858"/>
+            <a:ext cx="295275" cy="369332"/>
+          </a:xfrm>
+          <a:prstGeom prst="rect">
+            <a:avLst/>
+          </a:prstGeom>
+          <a:noFill/>
+        </p:spPr>
+        <p:txBody>
+          <a:bodyPr wrap="square" rtlCol="0">
+            <a:spAutoFit/>
+          </a:bodyPr>
+          <a:lstStyle/>
+          <a:p>
+            <a:r>
+              <a:rPr lang="en-US" dirty="0"/>
+              <a:t>h</a:t>
+            </a:r>
+            <a:endParaRPr lang="fr-FR" dirty="0"/>
+          </a:p>
+        </p:txBody>
+      </p:sp>
+      <p:sp>
+        <p:nvSpPr>
+          <p:cNvPr id="25" name="ZoneTexte 24">
+            <a:extLst>
+              <a:ext uri="{FF2B5EF4-FFF2-40B4-BE49-F238E27FC236}">
+                <a16:creationId xmlns:a16="http://schemas.microsoft.com/office/drawing/2014/main" id="{9E56F7CC-338C-4DAE-AAE1-C95B34AF73DB}"/>
+              </a:ext>
+            </a:extLst>
+          </p:cNvPr>
+          <p:cNvSpPr txBox="1"/>
+          <p:nvPr/>
+        </p:nvSpPr>
+        <p:spPr>
+          <a:xfrm>
+            <a:off x="2543720" y="4200883"/>
+            <a:ext cx="295275" cy="369332"/>
+          </a:xfrm>
+          <a:prstGeom prst="rect">
+            <a:avLst/>
+          </a:prstGeom>
+          <a:noFill/>
+        </p:spPr>
+        <p:txBody>
+          <a:bodyPr wrap="square" rtlCol="0">
+            <a:spAutoFit/>
+          </a:bodyPr>
+          <a:lstStyle/>
+          <a:p>
+            <a:r>
+              <a:rPr lang="en-US" dirty="0"/>
+              <a:t>H</a:t>
+            </a:r>
+            <a:endParaRPr lang="fr-FR" dirty="0"/>
+          </a:p>
+        </p:txBody>
+      </p:sp>
+      <p:sp>
+        <p:nvSpPr>
+          <p:cNvPr id="26" name="ZoneTexte 25">
+            <a:extLst>
+              <a:ext uri="{FF2B5EF4-FFF2-40B4-BE49-F238E27FC236}">
+                <a16:creationId xmlns:a16="http://schemas.microsoft.com/office/drawing/2014/main" id="{277F161E-C336-4CE0-B34B-0791683A3908}"/>
+              </a:ext>
+            </a:extLst>
+          </p:cNvPr>
+          <p:cNvSpPr txBox="1"/>
+          <p:nvPr/>
+        </p:nvSpPr>
+        <p:spPr>
+          <a:xfrm>
+            <a:off x="1659799" y="3326008"/>
+            <a:ext cx="295275" cy="369332"/>
+          </a:xfrm>
+          <a:prstGeom prst="rect">
+            <a:avLst/>
+          </a:prstGeom>
+          <a:noFill/>
+        </p:spPr>
+        <p:txBody>
+          <a:bodyPr wrap="square" rtlCol="0">
+            <a:spAutoFit/>
+          </a:bodyPr>
+          <a:lstStyle/>
+          <a:p>
+            <a:r>
+              <a:rPr lang="en-US" dirty="0"/>
+              <a:t>S</a:t>
+            </a:r>
+            <a:endParaRPr lang="fr-FR" dirty="0"/>
+          </a:p>
+        </p:txBody>
+      </p:sp>
+    </p:spTree>
+    <p:extLst>
+      <p:ext uri="{BB962C8B-B14F-4D97-AF65-F5344CB8AC3E}">
+        <p14:creationId xmlns:p14="http://schemas.microsoft.com/office/powerpoint/2010/main" val="1593850046"/>
+      </p:ext>
+    </p:extLst>
+  </p:cSld>
+  <p:clrMapOvr>
+    <a:masterClrMapping/>
+  </p:clrMapOvr>
+</p:sld>
+</file>
+
+<file path=ppt/slides/slide5.xml><?xml version="1.0" encoding="utf-8"?>
+<p:sld xmlns:a="http://schemas.openxmlformats.org/drawingml/2006/main" xmlns:r="http://schemas.openxmlformats.org/officeDocument/2006/relationships" xmlns:p="http://schemas.openxmlformats.org/presentationml/2006/main">
+  <p:cSld>
+    <p:spTree>
+      <p:nvGrpSpPr>
+        <p:cNvPr id="1" name=""/>
+        <p:cNvGrpSpPr/>
+        <p:nvPr/>
+      </p:nvGrpSpPr>
+      <p:grpSpPr>
+        <a:xfrm>
+          <a:off x="0" y="0"/>
+          <a:ext cx="0" cy="0"/>
+          <a:chOff x="0" y="0"/>
+          <a:chExt cx="0" cy="0"/>
+        </a:xfrm>
+      </p:grpSpPr>
+      <p:sp>
+        <p:nvSpPr>
+          <p:cNvPr id="4" name="Rectangle 3">
+            <a:extLst>
+              <a:ext uri="{FF2B5EF4-FFF2-40B4-BE49-F238E27FC236}">
+                <a16:creationId xmlns:a16="http://schemas.microsoft.com/office/drawing/2014/main" id="{1E2D1025-C39A-4E83-83DA-B514FA121DD6}"/>
+              </a:ext>
+            </a:extLst>
+          </p:cNvPr>
+          <p:cNvSpPr/>
+          <p:nvPr/>
+        </p:nvSpPr>
+        <p:spPr>
+          <a:xfrm>
+            <a:off x="2121031" y="1555423"/>
+            <a:ext cx="2733773" cy="2479249"/>
+          </a:xfrm>
+          <a:prstGeom prst="rect">
+            <a:avLst/>
+          </a:prstGeom>
+          <a:noFill/>
+          <a:ln w="28575">
+            <a:solidFill>
+              <a:schemeClr val="tx1"/>
+            </a:solidFill>
+          </a:ln>
+        </p:spPr>
+        <p:style>
+          <a:lnRef idx="2">
+            <a:schemeClr val="accent1">
+              <a:shade val="50000"/>
+            </a:schemeClr>
+          </a:lnRef>
+          <a:fillRef idx="1">
+            <a:schemeClr val="accent1"/>
+          </a:fillRef>
+          <a:effectRef idx="0">
+            <a:schemeClr val="accent1"/>
+          </a:effectRef>
+          <a:fontRef idx="minor">
+            <a:schemeClr val="lt1"/>
+          </a:fontRef>
+        </p:style>
+        <p:txBody>
+          <a:bodyPr rtlCol="0" anchor="ctr"/>
+          <a:lstStyle/>
+          <a:p>
+            <a:pPr algn="ctr"/>
+            <a:endParaRPr lang="fr-FR"/>
+          </a:p>
+        </p:txBody>
+      </p:sp>
+      <p:sp>
+        <p:nvSpPr>
+          <p:cNvPr id="5" name="Rectangle 4">
+            <a:extLst>
+              <a:ext uri="{FF2B5EF4-FFF2-40B4-BE49-F238E27FC236}">
+                <a16:creationId xmlns:a16="http://schemas.microsoft.com/office/drawing/2014/main" id="{99C03301-E268-4C26-92A5-ED00F040DA6A}"/>
+              </a:ext>
+            </a:extLst>
+          </p:cNvPr>
+          <p:cNvSpPr/>
+          <p:nvPr/>
+        </p:nvSpPr>
+        <p:spPr>
+          <a:xfrm>
+            <a:off x="3159550" y="614313"/>
+            <a:ext cx="2733773" cy="2479249"/>
+          </a:xfrm>
+          <a:prstGeom prst="rect">
+            <a:avLst/>
+          </a:prstGeom>
+          <a:noFill/>
+          <a:ln w="28575">
+            <a:solidFill>
+              <a:schemeClr val="tx1"/>
+            </a:solidFill>
+            <a:prstDash val="sysDot"/>
+          </a:ln>
+        </p:spPr>
+        <p:style>
+          <a:lnRef idx="2">
+            <a:schemeClr val="accent1">
+              <a:shade val="50000"/>
+            </a:schemeClr>
+          </a:lnRef>
+          <a:fillRef idx="1">
+            <a:schemeClr val="accent1"/>
+          </a:fillRef>
+          <a:effectRef idx="0">
+            <a:schemeClr val="accent1"/>
+          </a:effectRef>
+          <a:fontRef idx="minor">
+            <a:schemeClr val="lt1"/>
+          </a:fontRef>
+        </p:style>
+        <p:txBody>
+          <a:bodyPr rtlCol="0" anchor="ctr"/>
+          <a:lstStyle/>
+          <a:p>
+            <a:pPr algn="ctr"/>
+            <a:endParaRPr lang="fr-FR"/>
+          </a:p>
+        </p:txBody>
+      </p:sp>
+      <p:cxnSp>
+        <p:nvCxnSpPr>
+          <p:cNvPr id="7" name="Connecteur droit 6">
+            <a:extLst>
+              <a:ext uri="{FF2B5EF4-FFF2-40B4-BE49-F238E27FC236}">
+                <a16:creationId xmlns:a16="http://schemas.microsoft.com/office/drawing/2014/main" id="{0343E98B-3548-4C8A-A62D-DF76AC791045}"/>
+              </a:ext>
+            </a:extLst>
+          </p:cNvPr>
+          <p:cNvCxnSpPr/>
+          <p:nvPr/>
+        </p:nvCxnSpPr>
+        <p:spPr>
+          <a:xfrm flipV="1">
+            <a:off x="2121031" y="631596"/>
+            <a:ext cx="1027522" cy="923827"/>
+          </a:xfrm>
+          <a:prstGeom prst="line">
+            <a:avLst/>
+          </a:prstGeom>
+          <a:ln w="28575">
+            <a:solidFill>
+              <a:schemeClr val="tx1"/>
+            </a:solidFill>
+          </a:ln>
+        </p:spPr>
+        <p:style>
+          <a:lnRef idx="1">
+            <a:schemeClr val="accent1"/>
+          </a:lnRef>
+          <a:fillRef idx="0">
+            <a:schemeClr val="accent1"/>
+          </a:fillRef>
+          <a:effectRef idx="0">
+            <a:schemeClr val="accent1"/>
+          </a:effectRef>
+          <a:fontRef idx="minor">
+            <a:schemeClr val="tx1"/>
+          </a:fontRef>
+        </p:style>
+      </p:cxnSp>
+      <p:cxnSp>
+        <p:nvCxnSpPr>
+          <p:cNvPr id="8" name="Connecteur droit 7">
+            <a:extLst>
+              <a:ext uri="{FF2B5EF4-FFF2-40B4-BE49-F238E27FC236}">
+                <a16:creationId xmlns:a16="http://schemas.microsoft.com/office/drawing/2014/main" id="{5DA8FC11-FB83-4499-B2A6-2273E967DFDB}"/>
+              </a:ext>
+            </a:extLst>
+          </p:cNvPr>
+          <p:cNvCxnSpPr/>
+          <p:nvPr/>
+        </p:nvCxnSpPr>
+        <p:spPr>
+          <a:xfrm flipV="1">
+            <a:off x="4854804" y="622955"/>
+            <a:ext cx="1027522" cy="923827"/>
+          </a:xfrm>
+          <a:prstGeom prst="line">
+            <a:avLst/>
+          </a:prstGeom>
+          <a:ln w="28575">
+            <a:solidFill>
+              <a:schemeClr val="tx1"/>
+            </a:solidFill>
+          </a:ln>
+        </p:spPr>
+        <p:style>
+          <a:lnRef idx="1">
+            <a:schemeClr val="accent1"/>
+          </a:lnRef>
+          <a:fillRef idx="0">
+            <a:schemeClr val="accent1"/>
+          </a:fillRef>
+          <a:effectRef idx="0">
+            <a:schemeClr val="accent1"/>
+          </a:effectRef>
+          <a:fontRef idx="minor">
+            <a:schemeClr val="tx1"/>
+          </a:fontRef>
+        </p:style>
+      </p:cxnSp>
+      <p:cxnSp>
+        <p:nvCxnSpPr>
+          <p:cNvPr id="17" name="Connecteur droit 16">
+            <a:extLst>
+              <a:ext uri="{FF2B5EF4-FFF2-40B4-BE49-F238E27FC236}">
+                <a16:creationId xmlns:a16="http://schemas.microsoft.com/office/drawing/2014/main" id="{C3D096EE-2870-4A1E-8912-B9A86FF663CA}"/>
+              </a:ext>
+            </a:extLst>
+          </p:cNvPr>
+          <p:cNvCxnSpPr/>
+          <p:nvPr/>
+        </p:nvCxnSpPr>
+        <p:spPr>
+          <a:xfrm flipV="1">
+            <a:off x="2102179" y="3111333"/>
+            <a:ext cx="1057371" cy="932468"/>
+          </a:xfrm>
+          <a:prstGeom prst="line">
+            <a:avLst/>
+          </a:prstGeom>
+          <a:ln w="28575">
+            <a:solidFill>
+              <a:srgbClr val="C00000"/>
+            </a:solidFill>
+            <a:prstDash val="sysDot"/>
+          </a:ln>
+        </p:spPr>
+        <p:style>
+          <a:lnRef idx="1">
+            <a:schemeClr val="accent1"/>
+          </a:lnRef>
+          <a:fillRef idx="0">
+            <a:schemeClr val="accent1"/>
+          </a:fillRef>
+          <a:effectRef idx="0">
+            <a:schemeClr val="accent1"/>
+          </a:effectRef>
+          <a:fontRef idx="minor">
+            <a:schemeClr val="tx1"/>
+          </a:fontRef>
+        </p:style>
+      </p:cxnSp>
+      <p:cxnSp>
+        <p:nvCxnSpPr>
+          <p:cNvPr id="18" name="Connecteur droit 17">
+            <a:extLst>
+              <a:ext uri="{FF2B5EF4-FFF2-40B4-BE49-F238E27FC236}">
+                <a16:creationId xmlns:a16="http://schemas.microsoft.com/office/drawing/2014/main" id="{6C040260-CDE2-4A47-B4FF-A99B45B02218}"/>
+              </a:ext>
+            </a:extLst>
+          </p:cNvPr>
+          <p:cNvCxnSpPr/>
+          <p:nvPr/>
+        </p:nvCxnSpPr>
+        <p:spPr>
+          <a:xfrm flipV="1">
+            <a:off x="2106106" y="650844"/>
+            <a:ext cx="1057371" cy="932468"/>
+          </a:xfrm>
+          <a:prstGeom prst="line">
+            <a:avLst/>
+          </a:prstGeom>
+          <a:ln w="28575">
+            <a:solidFill>
+              <a:srgbClr val="C00000"/>
+            </a:solidFill>
+          </a:ln>
+        </p:spPr>
+        <p:style>
+          <a:lnRef idx="1">
+            <a:schemeClr val="accent1"/>
+          </a:lnRef>
+          <a:fillRef idx="0">
+            <a:schemeClr val="accent1"/>
+          </a:fillRef>
+          <a:effectRef idx="0">
+            <a:schemeClr val="accent1"/>
+          </a:effectRef>
+          <a:fontRef idx="minor">
+            <a:schemeClr val="tx1"/>
+          </a:fontRef>
+        </p:style>
+      </p:cxnSp>
+      <p:cxnSp>
+        <p:nvCxnSpPr>
+          <p:cNvPr id="19" name="Connecteur droit 18">
+            <a:extLst>
+              <a:ext uri="{FF2B5EF4-FFF2-40B4-BE49-F238E27FC236}">
+                <a16:creationId xmlns:a16="http://schemas.microsoft.com/office/drawing/2014/main" id="{1280DA90-3497-4E59-BBED-3811F0CEDF19}"/>
+              </a:ext>
+            </a:extLst>
+          </p:cNvPr>
+          <p:cNvCxnSpPr/>
+          <p:nvPr/>
+        </p:nvCxnSpPr>
+        <p:spPr>
+          <a:xfrm flipV="1">
+            <a:off x="4848494" y="622955"/>
+            <a:ext cx="1057371" cy="932468"/>
+          </a:xfrm>
+          <a:prstGeom prst="line">
+            <a:avLst/>
+          </a:prstGeom>
+          <a:ln w="28575">
+            <a:solidFill>
+              <a:srgbClr val="C00000"/>
+            </a:solidFill>
+          </a:ln>
+        </p:spPr>
+        <p:style>
+          <a:lnRef idx="1">
+            <a:schemeClr val="accent1"/>
+          </a:lnRef>
+          <a:fillRef idx="0">
+            <a:schemeClr val="accent1"/>
+          </a:fillRef>
+          <a:effectRef idx="0">
+            <a:schemeClr val="accent1"/>
+          </a:effectRef>
+          <a:fontRef idx="minor">
+            <a:schemeClr val="tx1"/>
+          </a:fontRef>
+        </p:style>
+      </p:cxnSp>
+      <p:cxnSp>
+        <p:nvCxnSpPr>
+          <p:cNvPr id="20" name="Connecteur droit 19">
+            <a:extLst>
+              <a:ext uri="{FF2B5EF4-FFF2-40B4-BE49-F238E27FC236}">
+                <a16:creationId xmlns:a16="http://schemas.microsoft.com/office/drawing/2014/main" id="{3AE3F5E9-4C5E-453D-970B-E4F5581CCED6}"/>
+              </a:ext>
+            </a:extLst>
+          </p:cNvPr>
+          <p:cNvCxnSpPr/>
+          <p:nvPr/>
+        </p:nvCxnSpPr>
+        <p:spPr>
+          <a:xfrm flipV="1">
+            <a:off x="4896208" y="3074710"/>
+            <a:ext cx="1057371" cy="932468"/>
+          </a:xfrm>
+          <a:prstGeom prst="line">
+            <a:avLst/>
+          </a:prstGeom>
+          <a:ln w="28575">
+            <a:solidFill>
+              <a:srgbClr val="C00000"/>
+            </a:solidFill>
+          </a:ln>
+        </p:spPr>
+        <p:style>
+          <a:lnRef idx="1">
+            <a:schemeClr val="accent1"/>
+          </a:lnRef>
+          <a:fillRef idx="0">
+            <a:schemeClr val="accent1"/>
+          </a:fillRef>
+          <a:effectRef idx="0">
+            <a:schemeClr val="accent1"/>
+          </a:effectRef>
+          <a:fontRef idx="minor">
+            <a:schemeClr val="tx1"/>
+          </a:fontRef>
+        </p:style>
+      </p:cxnSp>
+      <p:cxnSp>
+        <p:nvCxnSpPr>
+          <p:cNvPr id="23" name="Connecteur droit 22">
+            <a:extLst>
+              <a:ext uri="{FF2B5EF4-FFF2-40B4-BE49-F238E27FC236}">
+                <a16:creationId xmlns:a16="http://schemas.microsoft.com/office/drawing/2014/main" id="{9ECA9359-DD9B-4266-A78A-D37A72D5EA8A}"/>
+              </a:ext>
+            </a:extLst>
+          </p:cNvPr>
+          <p:cNvCxnSpPr>
+            <a:cxnSpLocks/>
+          </p:cNvCxnSpPr>
+          <p:nvPr/>
+        </p:nvCxnSpPr>
+        <p:spPr>
+          <a:xfrm>
+            <a:off x="3174474" y="613529"/>
+            <a:ext cx="2718849" cy="1964"/>
+          </a:xfrm>
+          <a:prstGeom prst="line">
+            <a:avLst/>
+          </a:prstGeom>
+          <a:ln w="28575">
+            <a:solidFill>
+              <a:schemeClr val="tx1"/>
+            </a:solidFill>
+          </a:ln>
+        </p:spPr>
+        <p:style>
+          <a:lnRef idx="1">
+            <a:schemeClr val="accent1"/>
+          </a:lnRef>
+          <a:fillRef idx="0">
+            <a:schemeClr val="accent1"/>
+          </a:fillRef>
+          <a:effectRef idx="0">
+            <a:schemeClr val="accent1"/>
+          </a:effectRef>
+          <a:fontRef idx="minor">
+            <a:schemeClr val="tx1"/>
+          </a:fontRef>
+        </p:style>
+      </p:cxnSp>
+      <p:cxnSp>
+        <p:nvCxnSpPr>
+          <p:cNvPr id="25" name="Connecteur droit 24">
+            <a:extLst>
+              <a:ext uri="{FF2B5EF4-FFF2-40B4-BE49-F238E27FC236}">
+                <a16:creationId xmlns:a16="http://schemas.microsoft.com/office/drawing/2014/main" id="{8892DA7E-F107-4D49-839C-730129A28A41}"/>
+              </a:ext>
+            </a:extLst>
+          </p:cNvPr>
+          <p:cNvCxnSpPr>
+            <a:cxnSpLocks/>
+          </p:cNvCxnSpPr>
+          <p:nvPr/>
+        </p:nvCxnSpPr>
+        <p:spPr>
+          <a:xfrm flipV="1">
+            <a:off x="5893323" y="650449"/>
+            <a:ext cx="3142" cy="2449402"/>
+          </a:xfrm>
+          <a:prstGeom prst="line">
+            <a:avLst/>
+          </a:prstGeom>
+          <a:ln w="28575">
+            <a:solidFill>
+              <a:schemeClr val="tx1"/>
+            </a:solidFill>
+          </a:ln>
+        </p:spPr>
+        <p:style>
+          <a:lnRef idx="1">
+            <a:schemeClr val="accent1"/>
+          </a:lnRef>
+          <a:fillRef idx="0">
+            <a:schemeClr val="accent1"/>
+          </a:fillRef>
+          <a:effectRef idx="0">
+            <a:schemeClr val="accent1"/>
+          </a:effectRef>
+          <a:fontRef idx="minor">
+            <a:schemeClr val="tx1"/>
+          </a:fontRef>
+        </p:style>
+      </p:cxnSp>
+      <p:sp>
+        <p:nvSpPr>
+          <p:cNvPr id="30" name="Ellipse 29">
+            <a:extLst>
+              <a:ext uri="{FF2B5EF4-FFF2-40B4-BE49-F238E27FC236}">
+                <a16:creationId xmlns:a16="http://schemas.microsoft.com/office/drawing/2014/main" id="{7BDDAE26-10A9-4CEF-A009-A1C90C5A66A7}"/>
+              </a:ext>
+            </a:extLst>
+          </p:cNvPr>
+          <p:cNvSpPr/>
+          <p:nvPr/>
+        </p:nvSpPr>
+        <p:spPr>
+          <a:xfrm>
+            <a:off x="3994484" y="2142704"/>
+            <a:ext cx="190485" cy="192506"/>
+          </a:xfrm>
+          <a:prstGeom prst="ellipse">
+            <a:avLst/>
+          </a:prstGeom>
+          <a:solidFill>
+            <a:schemeClr val="accent6"/>
+          </a:solidFill>
+          <a:ln>
+            <a:solidFill>
+              <a:schemeClr val="accent6"/>
+            </a:solidFill>
+          </a:ln>
+        </p:spPr>
+        <p:style>
+          <a:lnRef idx="2">
+            <a:schemeClr val="accent1">
+              <a:shade val="50000"/>
+            </a:schemeClr>
+          </a:lnRef>
+          <a:fillRef idx="1">
+            <a:schemeClr val="accent1"/>
+          </a:fillRef>
+          <a:effectRef idx="0">
+            <a:schemeClr val="accent1"/>
+          </a:effectRef>
+          <a:fontRef idx="minor">
+            <a:schemeClr val="lt1"/>
+          </a:fontRef>
+        </p:style>
+        <p:txBody>
+          <a:bodyPr rtlCol="0" anchor="ctr"/>
+          <a:lstStyle/>
+          <a:p>
+            <a:pPr algn="ctr"/>
+            <a:endParaRPr lang="fr-FR"/>
+          </a:p>
+        </p:txBody>
+      </p:sp>
+      <p:cxnSp>
+        <p:nvCxnSpPr>
+          <p:cNvPr id="32" name="Connecteur droit avec flèche 31">
+            <a:extLst>
+              <a:ext uri="{FF2B5EF4-FFF2-40B4-BE49-F238E27FC236}">
+                <a16:creationId xmlns:a16="http://schemas.microsoft.com/office/drawing/2014/main" id="{E8CA39EE-C983-4D50-AA00-B8CA00A3276E}"/>
+              </a:ext>
+            </a:extLst>
+          </p:cNvPr>
+          <p:cNvCxnSpPr>
+            <a:cxnSpLocks/>
+            <a:stCxn id="30" idx="6"/>
+          </p:cNvCxnSpPr>
+          <p:nvPr/>
+        </p:nvCxnSpPr>
+        <p:spPr>
+          <a:xfrm>
+            <a:off x="4184969" y="2238957"/>
+            <a:ext cx="1416934" cy="0"/>
+          </a:xfrm>
+          <a:prstGeom prst="straightConnector1">
+            <a:avLst/>
+          </a:prstGeom>
+          <a:ln w="28575">
+            <a:solidFill>
+              <a:schemeClr val="accent6"/>
+            </a:solidFill>
+            <a:tailEnd type="triangle"/>
+          </a:ln>
+        </p:spPr>
+        <p:style>
+          <a:lnRef idx="1">
+            <a:schemeClr val="accent1"/>
+          </a:lnRef>
+          <a:fillRef idx="0">
+            <a:schemeClr val="accent1"/>
+          </a:fillRef>
+          <a:effectRef idx="0">
+            <a:schemeClr val="accent1"/>
+          </a:effectRef>
+          <a:fontRef idx="minor">
+            <a:schemeClr val="tx1"/>
+          </a:fontRef>
+        </p:style>
+      </p:cxnSp>
+      <p:sp>
+        <p:nvSpPr>
+          <p:cNvPr id="35" name="Forme libre : forme 34">
+            <a:extLst>
+              <a:ext uri="{FF2B5EF4-FFF2-40B4-BE49-F238E27FC236}">
+                <a16:creationId xmlns:a16="http://schemas.microsoft.com/office/drawing/2014/main" id="{80E07AAD-A88E-4D0E-ADC0-DBE064292DBE}"/>
+              </a:ext>
+            </a:extLst>
+          </p:cNvPr>
+          <p:cNvSpPr/>
+          <p:nvPr/>
+        </p:nvSpPr>
+        <p:spPr>
+          <a:xfrm>
+            <a:off x="3147461" y="625642"/>
+            <a:ext cx="423556" cy="2464067"/>
+          </a:xfrm>
+          <a:custGeom>
+            <a:avLst/>
+            <a:gdLst>
+              <a:gd name="connsiteX0" fmla="*/ 0 w 423556"/>
+              <a:gd name="connsiteY0" fmla="*/ 0 h 2464067"/>
+              <a:gd name="connsiteX1" fmla="*/ 423512 w 423556"/>
+              <a:gd name="connsiteY1" fmla="*/ 1328286 h 2464067"/>
+              <a:gd name="connsiteX2" fmla="*/ 28876 w 423556"/>
+              <a:gd name="connsiteY2" fmla="*/ 2464067 h 2464067"/>
+            </a:gdLst>
+            <a:ahLst/>
+            <a:cxnLst>
+              <a:cxn ang="0">
+                <a:pos x="connsiteX0" y="connsiteY0"/>
+              </a:cxn>
+              <a:cxn ang="0">
+                <a:pos x="connsiteX1" y="connsiteY1"/>
+              </a:cxn>
+              <a:cxn ang="0">
+                <a:pos x="connsiteX2" y="connsiteY2"/>
+              </a:cxn>
+            </a:cxnLst>
+            <a:rect l="l" t="t" r="r" b="b"/>
+            <a:pathLst>
+              <a:path w="423556" h="2464067">
+                <a:moveTo>
+                  <a:pt x="0" y="0"/>
+                </a:moveTo>
+                <a:cubicBezTo>
+                  <a:pt x="209349" y="458804"/>
+                  <a:pt x="418699" y="917608"/>
+                  <a:pt x="423512" y="1328286"/>
+                </a:cubicBezTo>
+                <a:cubicBezTo>
+                  <a:pt x="428325" y="1738964"/>
+                  <a:pt x="40105" y="2353376"/>
+                  <a:pt x="28876" y="2464067"/>
+                </a:cubicBezTo>
+              </a:path>
+            </a:pathLst>
+          </a:custGeom>
+          <a:noFill/>
+          <a:ln w="19050">
+            <a:solidFill>
+              <a:srgbClr val="C00000"/>
+            </a:solidFill>
+            <a:prstDash val="sysDot"/>
+          </a:ln>
+        </p:spPr>
+        <p:style>
+          <a:lnRef idx="2">
+            <a:schemeClr val="accent1">
+              <a:shade val="50000"/>
+            </a:schemeClr>
+          </a:lnRef>
+          <a:fillRef idx="1">
+            <a:schemeClr val="accent1"/>
+          </a:fillRef>
+          <a:effectRef idx="0">
+            <a:schemeClr val="accent1"/>
+          </a:effectRef>
+          <a:fontRef idx="minor">
+            <a:schemeClr val="lt1"/>
+          </a:fontRef>
+        </p:style>
+        <p:txBody>
+          <a:bodyPr rtlCol="0" anchor="ctr"/>
+          <a:lstStyle/>
+          <a:p>
+            <a:pPr algn="ctr"/>
+            <a:endParaRPr lang="fr-FR"/>
+          </a:p>
+        </p:txBody>
+      </p:sp>
+      <p:sp>
+        <p:nvSpPr>
+          <p:cNvPr id="36" name="Forme libre : forme 35">
+            <a:extLst>
+              <a:ext uri="{FF2B5EF4-FFF2-40B4-BE49-F238E27FC236}">
+                <a16:creationId xmlns:a16="http://schemas.microsoft.com/office/drawing/2014/main" id="{0A4D3541-98F9-450C-9095-7FC000DC6DC3}"/>
+              </a:ext>
+            </a:extLst>
+          </p:cNvPr>
+          <p:cNvSpPr/>
+          <p:nvPr/>
+        </p:nvSpPr>
+        <p:spPr>
+          <a:xfrm>
+            <a:off x="2128502" y="1591953"/>
+            <a:ext cx="423556" cy="2464067"/>
+          </a:xfrm>
+          <a:custGeom>
+            <a:avLst/>
+            <a:gdLst>
+              <a:gd name="connsiteX0" fmla="*/ 0 w 423556"/>
+              <a:gd name="connsiteY0" fmla="*/ 0 h 2464067"/>
+              <a:gd name="connsiteX1" fmla="*/ 423512 w 423556"/>
+              <a:gd name="connsiteY1" fmla="*/ 1328286 h 2464067"/>
+              <a:gd name="connsiteX2" fmla="*/ 28876 w 423556"/>
+              <a:gd name="connsiteY2" fmla="*/ 2464067 h 2464067"/>
+            </a:gdLst>
+            <a:ahLst/>
+            <a:cxnLst>
+              <a:cxn ang="0">
+                <a:pos x="connsiteX0" y="connsiteY0"/>
+              </a:cxn>
+              <a:cxn ang="0">
+                <a:pos x="connsiteX1" y="connsiteY1"/>
+              </a:cxn>
+              <a:cxn ang="0">
+                <a:pos x="connsiteX2" y="connsiteY2"/>
+              </a:cxn>
+            </a:cxnLst>
+            <a:rect l="l" t="t" r="r" b="b"/>
+            <a:pathLst>
+              <a:path w="423556" h="2464067">
+                <a:moveTo>
+                  <a:pt x="0" y="0"/>
+                </a:moveTo>
+                <a:cubicBezTo>
+                  <a:pt x="209349" y="458804"/>
+                  <a:pt x="418699" y="917608"/>
+                  <a:pt x="423512" y="1328286"/>
+                </a:cubicBezTo>
+                <a:cubicBezTo>
+                  <a:pt x="428325" y="1738964"/>
+                  <a:pt x="40105" y="2353376"/>
+                  <a:pt x="28876" y="2464067"/>
+                </a:cubicBezTo>
+              </a:path>
+            </a:pathLst>
+          </a:custGeom>
+          <a:noFill/>
+          <a:ln w="19050">
+            <a:solidFill>
+              <a:srgbClr val="C00000"/>
+            </a:solidFill>
+          </a:ln>
+        </p:spPr>
+        <p:style>
+          <a:lnRef idx="2">
+            <a:schemeClr val="accent1">
+              <a:shade val="50000"/>
+            </a:schemeClr>
+          </a:lnRef>
+          <a:fillRef idx="1">
+            <a:schemeClr val="accent1"/>
+          </a:fillRef>
+          <a:effectRef idx="0">
+            <a:schemeClr val="accent1"/>
+          </a:effectRef>
+          <a:fontRef idx="minor">
+            <a:schemeClr val="lt1"/>
+          </a:fontRef>
+        </p:style>
+        <p:txBody>
+          <a:bodyPr rtlCol="0" anchor="ctr"/>
+          <a:lstStyle/>
+          <a:p>
+            <a:pPr algn="ctr"/>
+            <a:endParaRPr lang="fr-FR"/>
+          </a:p>
+        </p:txBody>
+      </p:sp>
+      <p:sp>
+        <p:nvSpPr>
+          <p:cNvPr id="37" name="Forme libre : forme 36">
+            <a:extLst>
+              <a:ext uri="{FF2B5EF4-FFF2-40B4-BE49-F238E27FC236}">
+                <a16:creationId xmlns:a16="http://schemas.microsoft.com/office/drawing/2014/main" id="{DC76AE38-62DF-4779-8C1D-5FA88AE33F1D}"/>
+              </a:ext>
+            </a:extLst>
+          </p:cNvPr>
+          <p:cNvSpPr/>
+          <p:nvPr/>
+        </p:nvSpPr>
+        <p:spPr>
+          <a:xfrm>
+            <a:off x="5909257" y="635784"/>
+            <a:ext cx="423556" cy="2464067"/>
+          </a:xfrm>
+          <a:custGeom>
+            <a:avLst/>
+            <a:gdLst>
+              <a:gd name="connsiteX0" fmla="*/ 0 w 423556"/>
+              <a:gd name="connsiteY0" fmla="*/ 0 h 2464067"/>
+              <a:gd name="connsiteX1" fmla="*/ 423512 w 423556"/>
+              <a:gd name="connsiteY1" fmla="*/ 1328286 h 2464067"/>
+              <a:gd name="connsiteX2" fmla="*/ 28876 w 423556"/>
+              <a:gd name="connsiteY2" fmla="*/ 2464067 h 2464067"/>
+            </a:gdLst>
+            <a:ahLst/>
+            <a:cxnLst>
+              <a:cxn ang="0">
+                <a:pos x="connsiteX0" y="connsiteY0"/>
+              </a:cxn>
+              <a:cxn ang="0">
+                <a:pos x="connsiteX1" y="connsiteY1"/>
+              </a:cxn>
+              <a:cxn ang="0">
+                <a:pos x="connsiteX2" y="connsiteY2"/>
+              </a:cxn>
+            </a:cxnLst>
+            <a:rect l="l" t="t" r="r" b="b"/>
+            <a:pathLst>
+              <a:path w="423556" h="2464067">
+                <a:moveTo>
+                  <a:pt x="0" y="0"/>
+                </a:moveTo>
+                <a:cubicBezTo>
+                  <a:pt x="209349" y="458804"/>
+                  <a:pt x="418699" y="917608"/>
+                  <a:pt x="423512" y="1328286"/>
+                </a:cubicBezTo>
+                <a:cubicBezTo>
+                  <a:pt x="428325" y="1738964"/>
+                  <a:pt x="40105" y="2353376"/>
+                  <a:pt x="28876" y="2464067"/>
+                </a:cubicBezTo>
+              </a:path>
+            </a:pathLst>
+          </a:custGeom>
+          <a:noFill/>
+          <a:ln w="19050">
+            <a:solidFill>
+              <a:srgbClr val="C00000"/>
+            </a:solidFill>
+          </a:ln>
+        </p:spPr>
+        <p:style>
+          <a:lnRef idx="2">
+            <a:schemeClr val="accent1">
+              <a:shade val="50000"/>
+            </a:schemeClr>
+          </a:lnRef>
+          <a:fillRef idx="1">
+            <a:schemeClr val="accent1"/>
+          </a:fillRef>
+          <a:effectRef idx="0">
+            <a:schemeClr val="accent1"/>
+          </a:effectRef>
+          <a:fontRef idx="minor">
+            <a:schemeClr val="lt1"/>
+          </a:fontRef>
+        </p:style>
+        <p:txBody>
+          <a:bodyPr rtlCol="0" anchor="ctr"/>
+          <a:lstStyle/>
+          <a:p>
+            <a:pPr algn="ctr"/>
+            <a:endParaRPr lang="fr-FR"/>
+          </a:p>
+        </p:txBody>
+      </p:sp>
+      <p:sp>
+        <p:nvSpPr>
+          <p:cNvPr id="38" name="Forme libre : forme 37">
+            <a:extLst>
+              <a:ext uri="{FF2B5EF4-FFF2-40B4-BE49-F238E27FC236}">
+                <a16:creationId xmlns:a16="http://schemas.microsoft.com/office/drawing/2014/main" id="{413FEB4C-A973-43E8-B291-8E332CF97575}"/>
+              </a:ext>
+            </a:extLst>
+          </p:cNvPr>
+          <p:cNvSpPr/>
+          <p:nvPr/>
+        </p:nvSpPr>
+        <p:spPr>
+          <a:xfrm>
+            <a:off x="4865801" y="1579246"/>
+            <a:ext cx="423556" cy="2464067"/>
+          </a:xfrm>
+          <a:custGeom>
+            <a:avLst/>
+            <a:gdLst>
+              <a:gd name="connsiteX0" fmla="*/ 0 w 423556"/>
+              <a:gd name="connsiteY0" fmla="*/ 0 h 2464067"/>
+              <a:gd name="connsiteX1" fmla="*/ 423512 w 423556"/>
+              <a:gd name="connsiteY1" fmla="*/ 1328286 h 2464067"/>
+              <a:gd name="connsiteX2" fmla="*/ 28876 w 423556"/>
+              <a:gd name="connsiteY2" fmla="*/ 2464067 h 2464067"/>
+            </a:gdLst>
+            <a:ahLst/>
+            <a:cxnLst>
+              <a:cxn ang="0">
+                <a:pos x="connsiteX0" y="connsiteY0"/>
+              </a:cxn>
+              <a:cxn ang="0">
+                <a:pos x="connsiteX1" y="connsiteY1"/>
+              </a:cxn>
+              <a:cxn ang="0">
+                <a:pos x="connsiteX2" y="connsiteY2"/>
+              </a:cxn>
+            </a:cxnLst>
+            <a:rect l="l" t="t" r="r" b="b"/>
+            <a:pathLst>
+              <a:path w="423556" h="2464067">
+                <a:moveTo>
+                  <a:pt x="0" y="0"/>
+                </a:moveTo>
+                <a:cubicBezTo>
+                  <a:pt x="209349" y="458804"/>
+                  <a:pt x="418699" y="917608"/>
+                  <a:pt x="423512" y="1328286"/>
+                </a:cubicBezTo>
+                <a:cubicBezTo>
+                  <a:pt x="428325" y="1738964"/>
+                  <a:pt x="40105" y="2353376"/>
+                  <a:pt x="28876" y="2464067"/>
+                </a:cubicBezTo>
+              </a:path>
+            </a:pathLst>
+          </a:custGeom>
+          <a:noFill/>
+          <a:ln w="19050">
+            <a:solidFill>
+              <a:srgbClr val="C00000"/>
+            </a:solidFill>
+          </a:ln>
+        </p:spPr>
+        <p:style>
+          <a:lnRef idx="2">
+            <a:schemeClr val="accent1">
+              <a:shade val="50000"/>
+            </a:schemeClr>
+          </a:lnRef>
+          <a:fillRef idx="1">
+            <a:schemeClr val="accent1"/>
+          </a:fillRef>
+          <a:effectRef idx="0">
+            <a:schemeClr val="accent1"/>
+          </a:effectRef>
+          <a:fontRef idx="minor">
+            <a:schemeClr val="lt1"/>
+          </a:fontRef>
+        </p:style>
+        <p:txBody>
+          <a:bodyPr rtlCol="0" anchor="ctr"/>
+          <a:lstStyle/>
+          <a:p>
+            <a:pPr algn="ctr"/>
+            <a:endParaRPr lang="fr-FR"/>
+          </a:p>
+        </p:txBody>
+      </p:sp>
+      <mc:AlternateContent xmlns:mc="http://schemas.openxmlformats.org/markup-compatibility/2006">
+        <mc:Choice xmlns:a14="http://schemas.microsoft.com/office/drawing/2010/main" Requires="a14">
+          <p:sp>
+            <p:nvSpPr>
+              <p:cNvPr id="39" name="ZoneTexte 38">
+                <a:extLst>
+                  <a:ext uri="{FF2B5EF4-FFF2-40B4-BE49-F238E27FC236}">
+                    <a16:creationId xmlns:a16="http://schemas.microsoft.com/office/drawing/2014/main" id="{56BED2B1-6210-447C-9C9E-A445AE5C4759}"/>
+                  </a:ext>
+                </a:extLst>
+              </p:cNvPr>
+              <p:cNvSpPr txBox="1"/>
+              <p:nvPr/>
+            </p:nvSpPr>
+            <p:spPr>
+              <a:xfrm>
+                <a:off x="5188646" y="2287502"/>
+                <a:ext cx="671107" cy="369332"/>
+              </a:xfrm>
+              <a:prstGeom prst="rect">
+                <a:avLst/>
+              </a:prstGeom>
+              <a:noFill/>
+            </p:spPr>
+            <p:txBody>
+              <a:bodyPr wrap="square" rtlCol="0">
+                <a:spAutoFit/>
+              </a:bodyPr>
+              <a:lstStyle/>
+              <a:p>
+                <a14:m>
+                  <m:oMathPara xmlns:m="http://schemas.openxmlformats.org/officeDocument/2006/math">
+                    <m:oMathParaPr>
+                      <m:jc m:val="centerGroup"/>
+                    </m:oMathParaPr>
+                    <m:oMath xmlns:m="http://schemas.openxmlformats.org/officeDocument/2006/math">
+                      <m:acc>
+                        <m:accPr>
+                          <m:chr m:val="⃗"/>
+                          <m:ctrlPr>
+                            <a:rPr lang="en-US" b="1" i="1" smtClean="0">
+                              <a:solidFill>
+                                <a:schemeClr val="accent6"/>
+                              </a:solidFill>
+                              <a:latin typeface="Cambria Math" panose="02040503050406030204" pitchFamily="18" charset="0"/>
+                            </a:rPr>
+                          </m:ctrlPr>
+                        </m:accPr>
+                        <m:e>
+                          <m:r>
+                            <a:rPr lang="en-US" b="1" i="1" smtClean="0">
+                              <a:solidFill>
+                                <a:schemeClr val="accent6"/>
+                              </a:solidFill>
+                              <a:latin typeface="Cambria Math" panose="02040503050406030204" pitchFamily="18" charset="0"/>
+                            </a:rPr>
+                            <m:t>𝒖</m:t>
+                          </m:r>
+                        </m:e>
+                      </m:acc>
+                    </m:oMath>
+                  </m:oMathPara>
+                </a14:m>
+                <a:endParaRPr lang="en-US" b="1" dirty="0"/>
+              </a:p>
+            </p:txBody>
+          </p:sp>
+        </mc:Choice>
+        <mc:Fallback>
+          <p:sp>
+            <p:nvSpPr>
+              <p:cNvPr id="39" name="ZoneTexte 38">
+                <a:extLst>
+                  <a:ext uri="{FF2B5EF4-FFF2-40B4-BE49-F238E27FC236}">
+                    <a16:creationId xmlns:a16="http://schemas.microsoft.com/office/drawing/2014/main" id="{56BED2B1-6210-447C-9C9E-A445AE5C4759}"/>
+                  </a:ext>
+                </a:extLst>
+              </p:cNvPr>
+              <p:cNvSpPr txBox="1">
+                <a:spLocks noRot="1" noChangeAspect="1" noMove="1" noResize="1" noEditPoints="1" noAdjustHandles="1" noChangeArrowheads="1" noChangeShapeType="1" noTextEdit="1"/>
+              </p:cNvSpPr>
+              <p:nvPr/>
+            </p:nvSpPr>
+            <p:spPr>
+              <a:xfrm>
+                <a:off x="5188646" y="2287502"/>
+                <a:ext cx="671107" cy="369332"/>
+              </a:xfrm>
+              <a:prstGeom prst="rect">
+                <a:avLst/>
+              </a:prstGeom>
+              <a:blipFill>
+                <a:blip r:embed="rId2"/>
+                <a:stretch>
+                  <a:fillRect/>
+                </a:stretch>
+              </a:blipFill>
+            </p:spPr>
+            <p:txBody>
+              <a:bodyPr/>
+              <a:lstStyle/>
+              <a:p>
+                <a:r>
+                  <a:rPr lang="fr-FR">
+                    <a:noFill/>
+                  </a:rPr>
+                  <a:t> </a:t>
+                </a:r>
+              </a:p>
+            </p:txBody>
+          </p:sp>
+        </mc:Fallback>
+      </mc:AlternateContent>
+    </p:spTree>
+    <p:extLst>
+      <p:ext uri="{BB962C8B-B14F-4D97-AF65-F5344CB8AC3E}">
+        <p14:creationId xmlns:p14="http://schemas.microsoft.com/office/powerpoint/2010/main" val="1369130833"/>
+      </p:ext>
+    </p:extLst>
+  </p:cSld>
+  <p:clrMapOvr>
+    <a:masterClrMapping/>
+  </p:clrMapOvr>
+</p:sld>
+</file>
+
 <file path=ppt/theme/theme1.xml><?xml version="1.0" encoding="utf-8"?>
 <a:theme xmlns:a="http://schemas.openxmlformats.org/drawingml/2006/main" name="Thème Office">
   <a:themeElements>

--- a/media/ReportFigures/ReportFigures.pptx
+++ b/media/ReportFigures/ReportFigures.pptx
@@ -263,7 +263,7 @@
           <a:p>
             <a:fld id="{11080818-4A9B-4962-9123-12CFD7AA6D6C}" type="datetimeFigureOut">
               <a:rPr lang="fr-FR" smtClean="0"/>
-              <a:t>21/07/2023</a:t>
+              <a:t>27/07/2023</a:t>
             </a:fld>
             <a:endParaRPr lang="fr-FR"/>
           </a:p>
@@ -461,7 +461,7 @@
           <a:p>
             <a:fld id="{11080818-4A9B-4962-9123-12CFD7AA6D6C}" type="datetimeFigureOut">
               <a:rPr lang="fr-FR" smtClean="0"/>
-              <a:t>21/07/2023</a:t>
+              <a:t>27/07/2023</a:t>
             </a:fld>
             <a:endParaRPr lang="fr-FR"/>
           </a:p>
@@ -669,7 +669,7 @@
           <a:p>
             <a:fld id="{11080818-4A9B-4962-9123-12CFD7AA6D6C}" type="datetimeFigureOut">
               <a:rPr lang="fr-FR" smtClean="0"/>
-              <a:t>21/07/2023</a:t>
+              <a:t>27/07/2023</a:t>
             </a:fld>
             <a:endParaRPr lang="fr-FR"/>
           </a:p>
@@ -867,7 +867,7 @@
           <a:p>
             <a:fld id="{11080818-4A9B-4962-9123-12CFD7AA6D6C}" type="datetimeFigureOut">
               <a:rPr lang="fr-FR" smtClean="0"/>
-              <a:t>21/07/2023</a:t>
+              <a:t>27/07/2023</a:t>
             </a:fld>
             <a:endParaRPr lang="fr-FR"/>
           </a:p>
@@ -1142,7 +1142,7 @@
           <a:p>
             <a:fld id="{11080818-4A9B-4962-9123-12CFD7AA6D6C}" type="datetimeFigureOut">
               <a:rPr lang="fr-FR" smtClean="0"/>
-              <a:t>21/07/2023</a:t>
+              <a:t>27/07/2023</a:t>
             </a:fld>
             <a:endParaRPr lang="fr-FR"/>
           </a:p>
@@ -1407,7 +1407,7 @@
           <a:p>
             <a:fld id="{11080818-4A9B-4962-9123-12CFD7AA6D6C}" type="datetimeFigureOut">
               <a:rPr lang="fr-FR" smtClean="0"/>
-              <a:t>21/07/2023</a:t>
+              <a:t>27/07/2023</a:t>
             </a:fld>
             <a:endParaRPr lang="fr-FR"/>
           </a:p>
@@ -1819,7 +1819,7 @@
           <a:p>
             <a:fld id="{11080818-4A9B-4962-9123-12CFD7AA6D6C}" type="datetimeFigureOut">
               <a:rPr lang="fr-FR" smtClean="0"/>
-              <a:t>21/07/2023</a:t>
+              <a:t>27/07/2023</a:t>
             </a:fld>
             <a:endParaRPr lang="fr-FR"/>
           </a:p>
@@ -1960,7 +1960,7 @@
           <a:p>
             <a:fld id="{11080818-4A9B-4962-9123-12CFD7AA6D6C}" type="datetimeFigureOut">
               <a:rPr lang="fr-FR" smtClean="0"/>
-              <a:t>21/07/2023</a:t>
+              <a:t>27/07/2023</a:t>
             </a:fld>
             <a:endParaRPr lang="fr-FR"/>
           </a:p>
@@ -2073,7 +2073,7 @@
           <a:p>
             <a:fld id="{11080818-4A9B-4962-9123-12CFD7AA6D6C}" type="datetimeFigureOut">
               <a:rPr lang="fr-FR" smtClean="0"/>
-              <a:t>21/07/2023</a:t>
+              <a:t>27/07/2023</a:t>
             </a:fld>
             <a:endParaRPr lang="fr-FR"/>
           </a:p>
@@ -2384,7 +2384,7 @@
           <a:p>
             <a:fld id="{11080818-4A9B-4962-9123-12CFD7AA6D6C}" type="datetimeFigureOut">
               <a:rPr lang="fr-FR" smtClean="0"/>
-              <a:t>21/07/2023</a:t>
+              <a:t>27/07/2023</a:t>
             </a:fld>
             <a:endParaRPr lang="fr-FR"/>
           </a:p>
@@ -2672,7 +2672,7 @@
           <a:p>
             <a:fld id="{11080818-4A9B-4962-9123-12CFD7AA6D6C}" type="datetimeFigureOut">
               <a:rPr lang="fr-FR" smtClean="0"/>
-              <a:t>21/07/2023</a:t>
+              <a:t>27/07/2023</a:t>
             </a:fld>
             <a:endParaRPr lang="fr-FR"/>
           </a:p>
@@ -2913,7 +2913,7 @@
           <a:p>
             <a:fld id="{11080818-4A9B-4962-9123-12CFD7AA6D6C}" type="datetimeFigureOut">
               <a:rPr lang="fr-FR" smtClean="0"/>
-              <a:t>21/07/2023</a:t>
+              <a:t>27/07/2023</a:t>
             </a:fld>
             <a:endParaRPr lang="fr-FR"/>
           </a:p>
@@ -3344,10 +3344,10 @@
         </p:nvGrpSpPr>
         <p:grpSpPr>
           <a:xfrm>
-            <a:off x="2808682" y="1022270"/>
-            <a:ext cx="5480801" cy="5544653"/>
-            <a:chOff x="2808682" y="1022270"/>
-            <a:chExt cx="5480801" cy="5544653"/>
+            <a:off x="2870224" y="1022270"/>
+            <a:ext cx="5419259" cy="5544653"/>
+            <a:chOff x="2870224" y="1022270"/>
+            <a:chExt cx="5419259" cy="5544653"/>
           </a:xfrm>
         </p:grpSpPr>
         <p:sp>
@@ -4469,7 +4469,7 @@
           </p:nvSpPr>
           <p:spPr>
             <a:xfrm>
-              <a:off x="2808682" y="4789343"/>
+              <a:off x="2870224" y="4788778"/>
               <a:ext cx="649429" cy="584775"/>
             </a:xfrm>
             <a:prstGeom prst="rect">
@@ -4484,10 +4484,14 @@
             <a:lstStyle/>
             <a:p>
               <a:r>
-                <a:rPr lang="en-US" sz="3200" b="1" dirty="0"/>
-                <a:t>h</a:t>
+                <a:rPr lang="en-US" sz="3200" b="1" dirty="0">
+                  <a:latin typeface="Consolas" panose="020B0609020204030204" pitchFamily="49" charset="0"/>
+                </a:rPr>
+                <a:t>l</a:t>
               </a:r>
-              <a:endParaRPr lang="fr-FR" sz="3200" b="1" dirty="0"/>
+              <a:endParaRPr lang="fr-FR" sz="3200" b="1" dirty="0">
+                <a:latin typeface="Consolas" panose="020B0609020204030204" pitchFamily="49" charset="0"/>
+              </a:endParaRPr>
             </a:p>
           </p:txBody>
         </p:sp>
@@ -4520,10 +4524,14 @@
             <a:lstStyle/>
             <a:p>
               <a:r>
-                <a:rPr lang="en-US" sz="3200" b="1" dirty="0"/>
-                <a:t>h</a:t>
+                <a:rPr lang="en-US" sz="3200" b="1" dirty="0">
+                  <a:latin typeface="Consolas" panose="020B0609020204030204" pitchFamily="49" charset="0"/>
+                </a:rPr>
+                <a:t>l</a:t>
               </a:r>
-              <a:endParaRPr lang="fr-FR" sz="3200" b="1" dirty="0"/>
+              <a:endParaRPr lang="fr-FR" sz="3200" b="1" dirty="0">
+                <a:latin typeface="Consolas" panose="020B0609020204030204" pitchFamily="49" charset="0"/>
+              </a:endParaRPr>
             </a:p>
           </p:txBody>
         </p:sp>
@@ -10114,8 +10122,8 @@
           </a:p>
         </p:txBody>
       </p:sp>
-      <mc:AlternateContent xmlns:mc="http://schemas.openxmlformats.org/markup-compatibility/2006">
-        <mc:Choice xmlns:a14="http://schemas.microsoft.com/office/drawing/2010/main" Requires="a14">
+      <mc:AlternateContent xmlns:mc="http://schemas.openxmlformats.org/markup-compatibility/2006" xmlns:a14="http://schemas.microsoft.com/office/drawing/2010/main">
+        <mc:Choice Requires="a14">
           <p:sp>
             <p:nvSpPr>
               <p:cNvPr id="39" name="ZoneTexte 38">
@@ -10144,6 +10152,7 @@
               </a:bodyPr>
               <a:lstStyle/>
               <a:p>
+                <a:pPr/>
                 <a14:m>
                   <m:oMathPara xmlns:m="http://schemas.openxmlformats.org/officeDocument/2006/math">
                     <m:oMathParaPr>
@@ -10182,7 +10191,7 @@
             </p:txBody>
           </p:sp>
         </mc:Choice>
-        <mc:Fallback>
+        <mc:Fallback xmlns="">
           <p:sp>
             <p:nvSpPr>
               <p:cNvPr id="39" name="ZoneTexte 38">
